--- a/4_Obj Func.pptx
+++ b/4_Obj Func.pptx
@@ -5,7 +5,7 @@
     <p:sldMasterId id="2147483648" r:id="rId1"/>
   </p:sldMasterIdLst>
   <p:notesMasterIdLst>
-    <p:notesMasterId r:id="rId30"/>
+    <p:notesMasterId r:id="rId31"/>
   </p:notesMasterIdLst>
   <p:sldIdLst>
     <p:sldId id="256" r:id="rId2"/>
@@ -36,6 +36,7 @@
     <p:sldId id="324" r:id="rId27"/>
     <p:sldId id="323" r:id="rId28"/>
     <p:sldId id="325" r:id="rId29"/>
+    <p:sldId id="329" r:id="rId30"/>
   </p:sldIdLst>
   <p:sldSz cx="12192000" cy="6858000"/>
   <p:notesSz cx="6858000" cy="9144000"/>
@@ -224,7 +225,7 @@
           <a:p>
             <a:fld id="{B5D7434C-48CE-114A-AD66-A0A76C8863DC}" type="datetimeFigureOut">
               <a:rPr lang="en-US" smtClean="0"/>
-              <a:t>1/3/22</a:t>
+              <a:t>1/26/22</a:t>
             </a:fld>
             <a:endParaRPr lang="en-US"/>
           </a:p>
@@ -1400,7 +1401,7 @@
             <a:fld id="{87DE6118-2437-4B30-8E3C-4D2BE6020583}" type="datetimeFigureOut">
               <a:rPr lang="en-US" dirty="0"/>
               <a:pPr/>
-              <a:t>1/3/22</a:t>
+              <a:t>1/26/22</a:t>
             </a:fld>
             <a:endParaRPr lang="en-US" dirty="0"/>
           </a:p>
@@ -1726,7 +1727,7 @@
           <a:p>
             <a:fld id="{87DE6118-2437-4B30-8E3C-4D2BE6020583}" type="datetimeFigureOut">
               <a:rPr lang="en-US" dirty="0"/>
-              <a:t>1/3/22</a:t>
+              <a:t>1/26/22</a:t>
             </a:fld>
             <a:endParaRPr lang="en-US" dirty="0"/>
           </a:p>
@@ -1901,7 +1902,7 @@
           <a:p>
             <a:fld id="{87DE6118-2437-4B30-8E3C-4D2BE6020583}" type="datetimeFigureOut">
               <a:rPr lang="en-US" dirty="0"/>
-              <a:t>1/3/22</a:t>
+              <a:t>1/26/22</a:t>
             </a:fld>
             <a:endParaRPr lang="en-US" dirty="0"/>
           </a:p>
@@ -2125,7 +2126,7 @@
           <a:p>
             <a:fld id="{1D8BD707-D9CF-40AE-B4C6-C98DA3205C09}" type="datetimeFigureOut">
               <a:rPr lang="en-US"/>
-              <a:t>1/3/22</a:t>
+              <a:t>1/26/22</a:t>
             </a:fld>
             <a:endParaRPr lang="en-US"/>
           </a:p>
@@ -2331,7 +2332,7 @@
           <a:p>
             <a:fld id="{87DE6118-2437-4B30-8E3C-4D2BE6020583}" type="datetimeFigureOut">
               <a:rPr lang="en-US" dirty="0"/>
-              <a:t>1/3/22</a:t>
+              <a:t>1/26/22</a:t>
             </a:fld>
             <a:endParaRPr lang="en-US" dirty="0"/>
           </a:p>
@@ -2614,7 +2615,7 @@
             <a:fld id="{87DE6118-2437-4B30-8E3C-4D2BE6020583}" type="datetimeFigureOut">
               <a:rPr lang="en-US" dirty="0"/>
               <a:pPr/>
-              <a:t>1/3/22</a:t>
+              <a:t>1/26/22</a:t>
             </a:fld>
             <a:endParaRPr lang="en-US" dirty="0"/>
           </a:p>
@@ -3004,7 +3005,7 @@
           <a:p>
             <a:fld id="{87DE6118-2437-4B30-8E3C-4D2BE6020583}" type="datetimeFigureOut">
               <a:rPr lang="en-US" dirty="0"/>
-              <a:t>1/3/22</a:t>
+              <a:t>1/26/22</a:t>
             </a:fld>
             <a:endParaRPr lang="en-US" dirty="0"/>
           </a:p>
@@ -3476,7 +3477,7 @@
           <a:p>
             <a:fld id="{87DE6118-2437-4B30-8E3C-4D2BE6020583}" type="datetimeFigureOut">
               <a:rPr lang="en-US" dirty="0"/>
-              <a:t>1/3/22</a:t>
+              <a:t>1/26/22</a:t>
             </a:fld>
             <a:endParaRPr lang="en-US" dirty="0"/>
           </a:p>
@@ -3589,7 +3590,7 @@
           <a:p>
             <a:fld id="{87DE6118-2437-4B30-8E3C-4D2BE6020583}" type="datetimeFigureOut">
               <a:rPr lang="en-US" dirty="0"/>
-              <a:t>1/3/22</a:t>
+              <a:t>1/26/22</a:t>
             </a:fld>
             <a:endParaRPr lang="en-US" dirty="0"/>
           </a:p>
@@ -3679,7 +3680,7 @@
           <a:p>
             <a:fld id="{87DE6118-2437-4B30-8E3C-4D2BE6020583}" type="datetimeFigureOut">
               <a:rPr lang="en-US" dirty="0"/>
-              <a:t>1/3/22</a:t>
+              <a:t>1/26/22</a:t>
             </a:fld>
             <a:endParaRPr lang="en-US" dirty="0"/>
           </a:p>
@@ -4021,7 +4022,7 @@
             <a:fld id="{87DE6118-2437-4B30-8E3C-4D2BE6020583}" type="datetimeFigureOut">
               <a:rPr lang="en-US" dirty="0"/>
               <a:pPr/>
-              <a:t>1/3/22</a:t>
+              <a:t>1/26/22</a:t>
             </a:fld>
             <a:endParaRPr lang="en-US" dirty="0"/>
           </a:p>
@@ -4406,7 +4407,7 @@
             <a:fld id="{87DE6118-2437-4B30-8E3C-4D2BE6020583}" type="datetimeFigureOut">
               <a:rPr lang="en-US" dirty="0"/>
               <a:pPr/>
-              <a:t>1/3/22</a:t>
+              <a:t>1/26/22</a:t>
             </a:fld>
             <a:endParaRPr lang="en-US" dirty="0"/>
           </a:p>
@@ -4681,7 +4682,7 @@
             <a:fld id="{87DE6118-2437-4B30-8E3C-4D2BE6020583}" type="datetimeFigureOut">
               <a:rPr lang="en-US" dirty="0"/>
               <a:pPr/>
-              <a:t>1/3/22</a:t>
+              <a:t>1/26/22</a:t>
             </a:fld>
             <a:endParaRPr lang="en-US" dirty="0"/>
           </a:p>
@@ -19731,6 +19732,151 @@
     <p:extLst>
       <p:ext uri="{BB962C8B-B14F-4D97-AF65-F5344CB8AC3E}">
         <p14:creationId xmlns:p14="http://schemas.microsoft.com/office/powerpoint/2010/main" val="985069575"/>
+      </p:ext>
+    </p:extLst>
+  </p:cSld>
+  <p:clrMapOvr>
+    <a:masterClrMapping/>
+  </p:clrMapOvr>
+</p:sld>
+</file>
+
+<file path=ppt/slides/slide29.xml><?xml version="1.0" encoding="utf-8"?>
+<p:sld xmlns:a="http://schemas.openxmlformats.org/drawingml/2006/main" xmlns:r="http://schemas.openxmlformats.org/officeDocument/2006/relationships" xmlns:p="http://schemas.openxmlformats.org/presentationml/2006/main">
+  <p:cSld>
+    <p:spTree>
+      <p:nvGrpSpPr>
+        <p:cNvPr id="1" name=""/>
+        <p:cNvGrpSpPr/>
+        <p:nvPr/>
+      </p:nvGrpSpPr>
+      <p:grpSpPr>
+        <a:xfrm>
+          <a:off x="0" y="0"/>
+          <a:ext cx="0" cy="0"/>
+          <a:chOff x="0" y="0"/>
+          <a:chExt cx="0" cy="0"/>
+        </a:xfrm>
+      </p:grpSpPr>
+      <p:sp>
+        <p:nvSpPr>
+          <p:cNvPr id="2" name="Title 1">
+            <a:extLst>
+              <a:ext uri="{FF2B5EF4-FFF2-40B4-BE49-F238E27FC236}">
+                <a16:creationId xmlns:a16="http://schemas.microsoft.com/office/drawing/2014/main" id="{58C9D451-089A-034D-908E-7E30C581D089}"/>
+              </a:ext>
+            </a:extLst>
+          </p:cNvPr>
+          <p:cNvSpPr>
+            <a:spLocks noGrp="1"/>
+          </p:cNvSpPr>
+          <p:nvPr>
+            <p:ph type="title"/>
+          </p:nvPr>
+        </p:nvSpPr>
+        <p:spPr/>
+        <p:txBody>
+          <a:bodyPr/>
+          <a:lstStyle/>
+          <a:p>
+            <a:endParaRPr lang="en-US"/>
+          </a:p>
+        </p:txBody>
+      </p:sp>
+      <p:sp>
+        <p:nvSpPr>
+          <p:cNvPr id="3" name="Content Placeholder 2">
+            <a:extLst>
+              <a:ext uri="{FF2B5EF4-FFF2-40B4-BE49-F238E27FC236}">
+                <a16:creationId xmlns:a16="http://schemas.microsoft.com/office/drawing/2014/main" id="{192DEEF3-9B6E-964E-BA0C-092CB9F7A5F0}"/>
+              </a:ext>
+            </a:extLst>
+          </p:cNvPr>
+          <p:cNvSpPr>
+            <a:spLocks noGrp="1"/>
+          </p:cNvSpPr>
+          <p:nvPr>
+            <p:ph idx="1"/>
+          </p:nvPr>
+        </p:nvSpPr>
+        <p:spPr/>
+        <p:txBody>
+          <a:bodyPr/>
+          <a:lstStyle/>
+          <a:p>
+            <a:endParaRPr lang="en-US"/>
+          </a:p>
+        </p:txBody>
+      </p:sp>
+      <p:sp>
+        <p:nvSpPr>
+          <p:cNvPr id="4" name="Rectangle 3">
+            <a:extLst>
+              <a:ext uri="{FF2B5EF4-FFF2-40B4-BE49-F238E27FC236}">
+                <a16:creationId xmlns:a16="http://schemas.microsoft.com/office/drawing/2014/main" id="{37A26C58-5738-2C48-8FCB-A8A0BCD816F0}"/>
+              </a:ext>
+            </a:extLst>
+          </p:cNvPr>
+          <p:cNvSpPr/>
+          <p:nvPr/>
+        </p:nvSpPr>
+        <p:spPr>
+          <a:xfrm>
+            <a:off x="1887006" y="2551837"/>
+            <a:ext cx="8418010" cy="1754326"/>
+          </a:xfrm>
+          <a:prstGeom prst="rect">
+            <a:avLst/>
+          </a:prstGeom>
+          <a:noFill/>
+        </p:spPr>
+        <p:txBody>
+          <a:bodyPr wrap="none" lIns="91440" tIns="45720" rIns="91440" bIns="45720">
+            <a:spAutoFit/>
+          </a:bodyPr>
+          <a:lstStyle/>
+          <a:p>
+            <a:pPr algn="ctr"/>
+            <a:r>
+              <a:rPr lang="en-US" sz="5400" b="1" cap="none" spc="0" dirty="0">
+                <a:ln w="22225">
+                  <a:solidFill>
+                    <a:schemeClr val="accent2"/>
+                  </a:solidFill>
+                  <a:prstDash val="solid"/>
+                </a:ln>
+                <a:solidFill>
+                  <a:srgbClr val="FFC000"/>
+                </a:solidFill>
+                <a:effectLst/>
+              </a:rPr>
+              <a:t>&lt;Happy coding, everyone!/&gt;</a:t>
+            </a:r>
+          </a:p>
+          <a:p>
+            <a:pPr algn="ctr"/>
+            <a:r>
+              <a:rPr lang="en-US" sz="5400" b="1" cap="none" spc="0" dirty="0">
+                <a:ln w="22225">
+                  <a:solidFill>
+                    <a:schemeClr val="accent2"/>
+                  </a:solidFill>
+                  <a:prstDash val="solid"/>
+                </a:ln>
+                <a:solidFill>
+                  <a:srgbClr val="FFC000"/>
+                </a:solidFill>
+                <a:effectLst/>
+              </a:rPr>
+              <a:t>&lt;Thank you!/&gt;</a:t>
+            </a:r>
+          </a:p>
+        </p:txBody>
+      </p:sp>
+    </p:spTree>
+    <p:extLst>
+      <p:ext uri="{BB962C8B-B14F-4D97-AF65-F5344CB8AC3E}">
+        <p14:creationId xmlns:p14="http://schemas.microsoft.com/office/powerpoint/2010/main" val="1167660029"/>
       </p:ext>
     </p:extLst>
   </p:cSld>

--- a/4_Obj Func.pptx
+++ b/4_Obj Func.pptx
@@ -225,7 +225,7 @@
           <a:p>
             <a:fld id="{B5D7434C-48CE-114A-AD66-A0A76C8863DC}" type="datetimeFigureOut">
               <a:rPr lang="en-US" smtClean="0"/>
-              <a:t>1/26/22</a:t>
+              <a:t>1/27/22</a:t>
             </a:fld>
             <a:endParaRPr lang="en-US"/>
           </a:p>
@@ -1401,7 +1401,7 @@
             <a:fld id="{87DE6118-2437-4B30-8E3C-4D2BE6020583}" type="datetimeFigureOut">
               <a:rPr lang="en-US" dirty="0"/>
               <a:pPr/>
-              <a:t>1/26/22</a:t>
+              <a:t>1/27/22</a:t>
             </a:fld>
             <a:endParaRPr lang="en-US" dirty="0"/>
           </a:p>
@@ -1727,7 +1727,7 @@
           <a:p>
             <a:fld id="{87DE6118-2437-4B30-8E3C-4D2BE6020583}" type="datetimeFigureOut">
               <a:rPr lang="en-US" dirty="0"/>
-              <a:t>1/26/22</a:t>
+              <a:t>1/27/22</a:t>
             </a:fld>
             <a:endParaRPr lang="en-US" dirty="0"/>
           </a:p>
@@ -1902,7 +1902,7 @@
           <a:p>
             <a:fld id="{87DE6118-2437-4B30-8E3C-4D2BE6020583}" type="datetimeFigureOut">
               <a:rPr lang="en-US" dirty="0"/>
-              <a:t>1/26/22</a:t>
+              <a:t>1/27/22</a:t>
             </a:fld>
             <a:endParaRPr lang="en-US" dirty="0"/>
           </a:p>
@@ -2126,7 +2126,7 @@
           <a:p>
             <a:fld id="{1D8BD707-D9CF-40AE-B4C6-C98DA3205C09}" type="datetimeFigureOut">
               <a:rPr lang="en-US"/>
-              <a:t>1/26/22</a:t>
+              <a:t>1/27/22</a:t>
             </a:fld>
             <a:endParaRPr lang="en-US"/>
           </a:p>
@@ -2332,7 +2332,7 @@
           <a:p>
             <a:fld id="{87DE6118-2437-4B30-8E3C-4D2BE6020583}" type="datetimeFigureOut">
               <a:rPr lang="en-US" dirty="0"/>
-              <a:t>1/26/22</a:t>
+              <a:t>1/27/22</a:t>
             </a:fld>
             <a:endParaRPr lang="en-US" dirty="0"/>
           </a:p>
@@ -2615,7 +2615,7 @@
             <a:fld id="{87DE6118-2437-4B30-8E3C-4D2BE6020583}" type="datetimeFigureOut">
               <a:rPr lang="en-US" dirty="0"/>
               <a:pPr/>
-              <a:t>1/26/22</a:t>
+              <a:t>1/27/22</a:t>
             </a:fld>
             <a:endParaRPr lang="en-US" dirty="0"/>
           </a:p>
@@ -3005,7 +3005,7 @@
           <a:p>
             <a:fld id="{87DE6118-2437-4B30-8E3C-4D2BE6020583}" type="datetimeFigureOut">
               <a:rPr lang="en-US" dirty="0"/>
-              <a:t>1/26/22</a:t>
+              <a:t>1/27/22</a:t>
             </a:fld>
             <a:endParaRPr lang="en-US" dirty="0"/>
           </a:p>
@@ -3477,7 +3477,7 @@
           <a:p>
             <a:fld id="{87DE6118-2437-4B30-8E3C-4D2BE6020583}" type="datetimeFigureOut">
               <a:rPr lang="en-US" dirty="0"/>
-              <a:t>1/26/22</a:t>
+              <a:t>1/27/22</a:t>
             </a:fld>
             <a:endParaRPr lang="en-US" dirty="0"/>
           </a:p>
@@ -3590,7 +3590,7 @@
           <a:p>
             <a:fld id="{87DE6118-2437-4B30-8E3C-4D2BE6020583}" type="datetimeFigureOut">
               <a:rPr lang="en-US" dirty="0"/>
-              <a:t>1/26/22</a:t>
+              <a:t>1/27/22</a:t>
             </a:fld>
             <a:endParaRPr lang="en-US" dirty="0"/>
           </a:p>
@@ -3680,7 +3680,7 @@
           <a:p>
             <a:fld id="{87DE6118-2437-4B30-8E3C-4D2BE6020583}" type="datetimeFigureOut">
               <a:rPr lang="en-US" dirty="0"/>
-              <a:t>1/26/22</a:t>
+              <a:t>1/27/22</a:t>
             </a:fld>
             <a:endParaRPr lang="en-US" dirty="0"/>
           </a:p>
@@ -4022,7 +4022,7 @@
             <a:fld id="{87DE6118-2437-4B30-8E3C-4D2BE6020583}" type="datetimeFigureOut">
               <a:rPr lang="en-US" dirty="0"/>
               <a:pPr/>
-              <a:t>1/26/22</a:t>
+              <a:t>1/27/22</a:t>
             </a:fld>
             <a:endParaRPr lang="en-US" dirty="0"/>
           </a:p>
@@ -4407,7 +4407,7 @@
             <a:fld id="{87DE6118-2437-4B30-8E3C-4D2BE6020583}" type="datetimeFigureOut">
               <a:rPr lang="en-US" dirty="0"/>
               <a:pPr/>
-              <a:t>1/26/22</a:t>
+              <a:t>1/27/22</a:t>
             </a:fld>
             <a:endParaRPr lang="en-US" dirty="0"/>
           </a:p>
@@ -4682,7 +4682,7 @@
             <a:fld id="{87DE6118-2437-4B30-8E3C-4D2BE6020583}" type="datetimeFigureOut">
               <a:rPr lang="en-US" dirty="0"/>
               <a:pPr/>
-              <a:t>1/26/22</a:t>
+              <a:t>1/27/22</a:t>
             </a:fld>
             <a:endParaRPr lang="en-US" dirty="0"/>
           </a:p>
@@ -19640,6 +19640,23 @@
             <a:r>
               <a:rPr lang="en-US" dirty="0"/>
               <a:t>Example:</a:t>
+            </a:r>
+          </a:p>
+          <a:p>
+            <a:pPr marL="530352" lvl="1" indent="0">
+              <a:buNone/>
+            </a:pPr>
+            <a:r>
+              <a:rPr lang="en-US" dirty="0"/>
+              <a:t>var </a:t>
+            </a:r>
+            <a:r>
+              <a:rPr lang="en-US" dirty="0" err="1"/>
+              <a:t>i</a:t>
+            </a:r>
+            <a:r>
+              <a:rPr lang="en-US" dirty="0"/>
+              <a:t> = 0;</a:t>
             </a:r>
           </a:p>
           <a:p>
